--- a/Вступ Заочка.pptx
+++ b/Вступ Заочка.pptx
@@ -5,7 +5,7 @@
     <p:sldMasterId id="2147483659" r:id="rId1"/>
   </p:sldMasterIdLst>
   <p:notesMasterIdLst>
-    <p:notesMasterId r:id="rId12"/>
+    <p:notesMasterId r:id="rId13"/>
   </p:notesMasterIdLst>
   <p:sldIdLst>
     <p:sldId id="256" r:id="rId2"/>
@@ -15,9 +15,10 @@
     <p:sldId id="260" r:id="rId6"/>
     <p:sldId id="261" r:id="rId7"/>
     <p:sldId id="262" r:id="rId8"/>
-    <p:sldId id="263" r:id="rId9"/>
-    <p:sldId id="264" r:id="rId10"/>
-    <p:sldId id="265" r:id="rId11"/>
+    <p:sldId id="266" r:id="rId9"/>
+    <p:sldId id="263" r:id="rId10"/>
+    <p:sldId id="264" r:id="rId11"/>
+    <p:sldId id="265" r:id="rId12"/>
   </p:sldIdLst>
   <p:sldSz cx="9144000" cy="5143500" type="screen16x9"/>
   <p:notesSz cx="6858000" cy="9144000"/>
@@ -252,7 +253,7 @@
   </p:defaultTextStyle>
   <p:extLst>
     <p:ext uri="{EFAFB233-063F-42B5-8137-9DF3F51BA10A}">
-      <p15:sldGuideLst xmlns="" xmlns:mc="http://schemas.openxmlformats.org/markup-compatibility/2006" xmlns:mv="urn:schemas-microsoft-com:mac:vml" xmlns:c="http://schemas.openxmlformats.org/drawingml/2006/chart" xmlns:dgm="http://schemas.openxmlformats.org/drawingml/2006/diagram" xmlns:o="urn:schemas-microsoft-com:office:office" xmlns:v="urn:schemas-microsoft-com:vml" xmlns:pvml="urn:schemas-microsoft-com:office:powerpoint" xmlns:com="http://schemas.openxmlformats.org/drawingml/2006/compatibility" xmlns:p14="http://schemas.microsoft.com/office/powerpoint/2010/main" xmlns:p15="http://schemas.microsoft.com/office/powerpoint/2012/main" xmlns:ahyp="http://schemas.microsoft.com/office/drawing/2018/hyperlinkcolor">
+      <p15:sldGuideLst xmlns:ahyp="http://schemas.microsoft.com/office/drawing/2018/hyperlinkcolor" xmlns:p15="http://schemas.microsoft.com/office/powerpoint/2012/main" xmlns:p14="http://schemas.microsoft.com/office/powerpoint/2010/main" xmlns:com="http://schemas.openxmlformats.org/drawingml/2006/compatibility" xmlns:pvml="urn:schemas-microsoft-com:office:powerpoint" xmlns:v="urn:schemas-microsoft-com:vml" xmlns:o="urn:schemas-microsoft-com:office:office" xmlns:dgm="http://schemas.openxmlformats.org/drawingml/2006/diagram" xmlns:c="http://schemas.openxmlformats.org/drawingml/2006/chart" xmlns:mv="urn:schemas-microsoft-com:mac:vml" xmlns:mc="http://schemas.openxmlformats.org/markup-compatibility/2006" xmlns="">
         <p15:guide id="1" orient="horz" pos="1620">
           <p15:clr>
             <a:srgbClr val="A4A3A4"/>
@@ -824,6 +825,110 @@
   <p:cSld>
     <p:spTree>
       <p:nvGrpSpPr>
+        <p:cNvPr id="1" name="Shape 117"/>
+        <p:cNvGrpSpPr/>
+        <p:nvPr/>
+      </p:nvGrpSpPr>
+      <p:grpSpPr>
+        <a:xfrm>
+          <a:off x="0" y="0"/>
+          <a:ext cx="0" cy="0"/>
+          <a:chOff x="0" y="0"/>
+          <a:chExt cx="0" cy="0"/>
+        </a:xfrm>
+      </p:grpSpPr>
+      <p:sp>
+        <p:nvSpPr>
+          <p:cNvPr id="118" name="Google Shape;118;g15004c62faa_0_119:notes"/>
+          <p:cNvSpPr>
+            <a:spLocks noGrp="1" noRot="1" noChangeAspect="1"/>
+          </p:cNvSpPr>
+          <p:nvPr>
+            <p:ph type="sldImg" idx="2"/>
+          </p:nvPr>
+        </p:nvSpPr>
+        <p:spPr>
+          <a:xfrm>
+            <a:off x="381000" y="685800"/>
+            <a:ext cx="6096000" cy="3429000"/>
+          </a:xfrm>
+          <a:custGeom>
+            <a:avLst/>
+            <a:gdLst/>
+            <a:ahLst/>
+            <a:cxnLst/>
+            <a:rect l="l" t="t" r="r" b="b"/>
+            <a:pathLst>
+              <a:path w="120000" h="120000" extrusionOk="0">
+                <a:moveTo>
+                  <a:pt x="0" y="0"/>
+                </a:moveTo>
+                <a:lnTo>
+                  <a:pt x="120000" y="0"/>
+                </a:lnTo>
+                <a:lnTo>
+                  <a:pt x="120000" y="120000"/>
+                </a:lnTo>
+                <a:lnTo>
+                  <a:pt x="0" y="120000"/>
+                </a:lnTo>
+                <a:close/>
+              </a:path>
+            </a:pathLst>
+          </a:custGeom>
+        </p:spPr>
+      </p:sp>
+      <p:sp>
+        <p:nvSpPr>
+          <p:cNvPr id="119" name="Google Shape;119;g15004c62faa_0_119:notes"/>
+          <p:cNvSpPr txBox="1">
+            <a:spLocks noGrp="1"/>
+          </p:cNvSpPr>
+          <p:nvPr>
+            <p:ph type="body" idx="1"/>
+          </p:nvPr>
+        </p:nvSpPr>
+        <p:spPr>
+          <a:xfrm>
+            <a:off x="685800" y="4343400"/>
+            <a:ext cx="5486400" cy="4114800"/>
+          </a:xfrm>
+          <a:prstGeom prst="rect">
+            <a:avLst/>
+          </a:prstGeom>
+        </p:spPr>
+        <p:txBody>
+          <a:bodyPr spcFirstLastPara="1" wrap="square" lIns="91425" tIns="91425" rIns="91425" bIns="91425" anchor="t" anchorCtr="0">
+            <a:noAutofit/>
+          </a:bodyPr>
+          <a:lstStyle/>
+          <a:p>
+            <a:pPr marL="0" lvl="0" indent="0" algn="l" rtl="0">
+              <a:spcBef>
+                <a:spcPts val="0"/>
+              </a:spcBef>
+              <a:spcAft>
+                <a:spcPts val="0"/>
+              </a:spcAft>
+              <a:buNone/>
+            </a:pPr>
+            <a:endParaRPr/>
+          </a:p>
+        </p:txBody>
+      </p:sp>
+    </p:spTree>
+  </p:cSld>
+  <p:clrMapOvr>
+    <a:masterClrMapping/>
+  </p:clrMapOvr>
+</p:notes>
+</file>
+
+<file path=ppt/notesSlides/notesSlide11.xml><?xml version="1.0" encoding="utf-8"?>
+<p:notes xmlns:a="http://schemas.openxmlformats.org/drawingml/2006/main" xmlns:r="http://schemas.openxmlformats.org/officeDocument/2006/relationships" xmlns:p="http://schemas.openxmlformats.org/presentationml/2006/main" showMasterSp="0" showMasterPhAnim="0">
+  <p:cSld>
+    <p:spTree>
+      <p:nvGrpSpPr>
         <p:cNvPr id="1" name="Shape 123"/>
         <p:cNvGrpSpPr/>
         <p:nvPr/>
@@ -1264,7 +1369,7 @@
         </p:nvSpPr>
         <p:spPr>
           <a:xfrm>
-            <a:off x="381300" y="685800"/>
+            <a:off x="381000" y="685800"/>
             <a:ext cx="6096000" cy="3429000"/>
           </a:xfrm>
           <a:custGeom>
@@ -1552,6 +1657,110 @@
   <p:cSld>
     <p:spTree>
       <p:nvGrpSpPr>
+        <p:cNvPr id="1" name="Shape 104"/>
+        <p:cNvGrpSpPr/>
+        <p:nvPr/>
+      </p:nvGrpSpPr>
+      <p:grpSpPr>
+        <a:xfrm>
+          <a:off x="0" y="0"/>
+          <a:ext cx="0" cy="0"/>
+          <a:chOff x="0" y="0"/>
+          <a:chExt cx="0" cy="0"/>
+        </a:xfrm>
+      </p:grpSpPr>
+      <p:sp>
+        <p:nvSpPr>
+          <p:cNvPr id="105" name="Google Shape;105;g15004c62faa_0_91:notes"/>
+          <p:cNvSpPr>
+            <a:spLocks noGrp="1" noRot="1" noChangeAspect="1"/>
+          </p:cNvSpPr>
+          <p:nvPr>
+            <p:ph type="sldImg" idx="2"/>
+          </p:nvPr>
+        </p:nvSpPr>
+        <p:spPr>
+          <a:xfrm>
+            <a:off x="381000" y="685800"/>
+            <a:ext cx="6096000" cy="3429000"/>
+          </a:xfrm>
+          <a:custGeom>
+            <a:avLst/>
+            <a:gdLst/>
+            <a:ahLst/>
+            <a:cxnLst/>
+            <a:rect l="l" t="t" r="r" b="b"/>
+            <a:pathLst>
+              <a:path w="120000" h="120000" extrusionOk="0">
+                <a:moveTo>
+                  <a:pt x="0" y="0"/>
+                </a:moveTo>
+                <a:lnTo>
+                  <a:pt x="120000" y="0"/>
+                </a:lnTo>
+                <a:lnTo>
+                  <a:pt x="120000" y="120000"/>
+                </a:lnTo>
+                <a:lnTo>
+                  <a:pt x="0" y="120000"/>
+                </a:lnTo>
+                <a:close/>
+              </a:path>
+            </a:pathLst>
+          </a:custGeom>
+        </p:spPr>
+      </p:sp>
+      <p:sp>
+        <p:nvSpPr>
+          <p:cNvPr id="106" name="Google Shape;106;g15004c62faa_0_91:notes"/>
+          <p:cNvSpPr txBox="1">
+            <a:spLocks noGrp="1"/>
+          </p:cNvSpPr>
+          <p:nvPr>
+            <p:ph type="body" idx="1"/>
+          </p:nvPr>
+        </p:nvSpPr>
+        <p:spPr>
+          <a:xfrm>
+            <a:off x="685800" y="4343400"/>
+            <a:ext cx="5486400" cy="4114800"/>
+          </a:xfrm>
+          <a:prstGeom prst="rect">
+            <a:avLst/>
+          </a:prstGeom>
+        </p:spPr>
+        <p:txBody>
+          <a:bodyPr spcFirstLastPara="1" wrap="square" lIns="91425" tIns="91425" rIns="91425" bIns="91425" anchor="t" anchorCtr="0">
+            <a:noAutofit/>
+          </a:bodyPr>
+          <a:lstStyle/>
+          <a:p>
+            <a:pPr marL="0" lvl="0" indent="0" algn="l" rtl="0">
+              <a:spcBef>
+                <a:spcPts val="0"/>
+              </a:spcBef>
+              <a:spcAft>
+                <a:spcPts val="0"/>
+              </a:spcAft>
+              <a:buNone/>
+            </a:pPr>
+            <a:endParaRPr/>
+          </a:p>
+        </p:txBody>
+      </p:sp>
+    </p:spTree>
+  </p:cSld>
+  <p:clrMapOvr>
+    <a:masterClrMapping/>
+  </p:clrMapOvr>
+</p:notes>
+</file>
+
+<file path=ppt/notesSlides/notesSlide9.xml><?xml version="1.0" encoding="utf-8"?>
+<p:notes xmlns:a="http://schemas.openxmlformats.org/drawingml/2006/main" xmlns:r="http://schemas.openxmlformats.org/officeDocument/2006/relationships" xmlns:p="http://schemas.openxmlformats.org/presentationml/2006/main" showMasterSp="0" showMasterPhAnim="0">
+  <p:cSld>
+    <p:spTree>
+      <p:nvGrpSpPr>
         <p:cNvPr id="1" name="Shape 111"/>
         <p:cNvGrpSpPr/>
         <p:nvPr/>
@@ -1608,110 +1817,6 @@
       <p:sp>
         <p:nvSpPr>
           <p:cNvPr id="113" name="Google Shape;113;g15004c62faa_0_114:notes"/>
-          <p:cNvSpPr txBox="1">
-            <a:spLocks noGrp="1"/>
-          </p:cNvSpPr>
-          <p:nvPr>
-            <p:ph type="body" idx="1"/>
-          </p:nvPr>
-        </p:nvSpPr>
-        <p:spPr>
-          <a:xfrm>
-            <a:off x="685800" y="4343400"/>
-            <a:ext cx="5486400" cy="4114800"/>
-          </a:xfrm>
-          <a:prstGeom prst="rect">
-            <a:avLst/>
-          </a:prstGeom>
-        </p:spPr>
-        <p:txBody>
-          <a:bodyPr spcFirstLastPara="1" wrap="square" lIns="91425" tIns="91425" rIns="91425" bIns="91425" anchor="t" anchorCtr="0">
-            <a:noAutofit/>
-          </a:bodyPr>
-          <a:lstStyle/>
-          <a:p>
-            <a:pPr marL="0" lvl="0" indent="0" algn="l" rtl="0">
-              <a:spcBef>
-                <a:spcPts val="0"/>
-              </a:spcBef>
-              <a:spcAft>
-                <a:spcPts val="0"/>
-              </a:spcAft>
-              <a:buNone/>
-            </a:pPr>
-            <a:endParaRPr/>
-          </a:p>
-        </p:txBody>
-      </p:sp>
-    </p:spTree>
-  </p:cSld>
-  <p:clrMapOvr>
-    <a:masterClrMapping/>
-  </p:clrMapOvr>
-</p:notes>
-</file>
-
-<file path=ppt/notesSlides/notesSlide9.xml><?xml version="1.0" encoding="utf-8"?>
-<p:notes xmlns:a="http://schemas.openxmlformats.org/drawingml/2006/main" xmlns:r="http://schemas.openxmlformats.org/officeDocument/2006/relationships" xmlns:p="http://schemas.openxmlformats.org/presentationml/2006/main" showMasterSp="0" showMasterPhAnim="0">
-  <p:cSld>
-    <p:spTree>
-      <p:nvGrpSpPr>
-        <p:cNvPr id="1" name="Shape 117"/>
-        <p:cNvGrpSpPr/>
-        <p:nvPr/>
-      </p:nvGrpSpPr>
-      <p:grpSpPr>
-        <a:xfrm>
-          <a:off x="0" y="0"/>
-          <a:ext cx="0" cy="0"/>
-          <a:chOff x="0" y="0"/>
-          <a:chExt cx="0" cy="0"/>
-        </a:xfrm>
-      </p:grpSpPr>
-      <p:sp>
-        <p:nvSpPr>
-          <p:cNvPr id="118" name="Google Shape;118;g15004c62faa_0_119:notes"/>
-          <p:cNvSpPr>
-            <a:spLocks noGrp="1" noRot="1" noChangeAspect="1"/>
-          </p:cNvSpPr>
-          <p:nvPr>
-            <p:ph type="sldImg" idx="2"/>
-          </p:nvPr>
-        </p:nvSpPr>
-        <p:spPr>
-          <a:xfrm>
-            <a:off x="381000" y="685800"/>
-            <a:ext cx="6096000" cy="3429000"/>
-          </a:xfrm>
-          <a:custGeom>
-            <a:avLst/>
-            <a:gdLst/>
-            <a:ahLst/>
-            <a:cxnLst/>
-            <a:rect l="l" t="t" r="r" b="b"/>
-            <a:pathLst>
-              <a:path w="120000" h="120000" extrusionOk="0">
-                <a:moveTo>
-                  <a:pt x="0" y="0"/>
-                </a:moveTo>
-                <a:lnTo>
-                  <a:pt x="120000" y="0"/>
-                </a:lnTo>
-                <a:lnTo>
-                  <a:pt x="120000" y="120000"/>
-                </a:lnTo>
-                <a:lnTo>
-                  <a:pt x="0" y="120000"/>
-                </a:lnTo>
-                <a:close/>
-              </a:path>
-            </a:pathLst>
-          </a:custGeom>
-        </p:spPr>
-      </p:sp>
-      <p:sp>
-        <p:nvSpPr>
-          <p:cNvPr id="119" name="Google Shape;119;g15004c62faa_0_119:notes"/>
           <p:cNvSpPr txBox="1">
             <a:spLocks noGrp="1"/>
           </p:cNvSpPr>
@@ -6624,7 +6729,7 @@
             </a:r>
             <a:r>
               <a:rPr lang="ru" dirty="0" smtClean="0"/>
-              <a:t>2023</a:t>
+              <a:t>2023-2024</a:t>
             </a:r>
             <a:endParaRPr dirty="0"/>
           </a:p>
@@ -6642,8 +6747,8 @@
         </p:nvSpPr>
         <p:spPr>
           <a:xfrm>
-            <a:off x="311700" y="2834125"/>
-            <a:ext cx="8520600" cy="792600"/>
+            <a:off x="311700" y="2834124"/>
+            <a:ext cx="8520600" cy="1900107"/>
           </a:xfrm>
           <a:prstGeom prst="rect">
             <a:avLst/>
@@ -6665,10 +6770,29 @@
               <a:buNone/>
             </a:pPr>
             <a:r>
-              <a:rPr lang="ru"/>
-              <a:t>викладач Канцедал Г.О.</a:t>
-            </a:r>
-            <a:endParaRPr/>
+              <a:rPr lang="ru" smtClean="0"/>
+              <a:t>(заочна форма)</a:t>
+            </a:r>
+          </a:p>
+          <a:p>
+            <a:pPr marL="0" lvl="0" indent="0" algn="ctr" rtl="0">
+              <a:spcBef>
+                <a:spcPts val="0"/>
+              </a:spcBef>
+              <a:spcAft>
+                <a:spcPts val="0"/>
+              </a:spcAft>
+              <a:buNone/>
+            </a:pPr>
+            <a:r>
+              <a:rPr lang="ru" dirty="0" smtClean="0"/>
+              <a:t>викладач </a:t>
+            </a:r>
+            <a:r>
+              <a:rPr lang="ru" dirty="0"/>
+              <a:t>Канцедал Г.О.</a:t>
+            </a:r>
+            <a:endParaRPr dirty="0"/>
           </a:p>
         </p:txBody>
       </p:sp>
@@ -6688,6 +6812,141 @@
 </file>
 
 <file path=ppt/slides/slide10.xml><?xml version="1.0" encoding="utf-8"?>
+<p:sld xmlns:a="http://schemas.openxmlformats.org/drawingml/2006/main" xmlns:r="http://schemas.openxmlformats.org/officeDocument/2006/relationships" xmlns:p="http://schemas.openxmlformats.org/presentationml/2006/main">
+  <p:cSld>
+    <p:spTree>
+      <p:nvGrpSpPr>
+        <p:cNvPr id="1" name="Shape 120"/>
+        <p:cNvGrpSpPr/>
+        <p:nvPr/>
+      </p:nvGrpSpPr>
+      <p:grpSpPr>
+        <a:xfrm>
+          <a:off x="0" y="0"/>
+          <a:ext cx="0" cy="0"/>
+          <a:chOff x="0" y="0"/>
+          <a:chExt cx="0" cy="0"/>
+        </a:xfrm>
+      </p:grpSpPr>
+      <p:sp>
+        <p:nvSpPr>
+          <p:cNvPr id="121" name="Google Shape;121;p21"/>
+          <p:cNvSpPr txBox="1">
+            <a:spLocks noGrp="1"/>
+          </p:cNvSpPr>
+          <p:nvPr>
+            <p:ph type="title"/>
+          </p:nvPr>
+        </p:nvSpPr>
+        <p:spPr>
+          <a:xfrm>
+            <a:off x="311700" y="445025"/>
+            <a:ext cx="8520600" cy="572700"/>
+          </a:xfrm>
+          <a:prstGeom prst="rect">
+            <a:avLst/>
+          </a:prstGeom>
+        </p:spPr>
+        <p:txBody>
+          <a:bodyPr spcFirstLastPara="1" wrap="square" lIns="91425" tIns="91425" rIns="91425" bIns="91425" anchor="t" anchorCtr="0">
+            <a:normAutofit fontScale="90000"/>
+          </a:bodyPr>
+          <a:lstStyle/>
+          <a:p>
+            <a:pPr marL="0" lvl="0" indent="0" algn="l" rtl="0">
+              <a:spcBef>
+                <a:spcPts val="0"/>
+              </a:spcBef>
+              <a:spcAft>
+                <a:spcPts val="0"/>
+              </a:spcAft>
+              <a:buNone/>
+            </a:pPr>
+            <a:r>
+              <a:rPr lang="ru"/>
+              <a:t>Чи можна не ходити на пари ?</a:t>
+            </a:r>
+            <a:endParaRPr/>
+          </a:p>
+        </p:txBody>
+      </p:sp>
+      <p:sp>
+        <p:nvSpPr>
+          <p:cNvPr id="122" name="Google Shape;122;p21"/>
+          <p:cNvSpPr txBox="1">
+            <a:spLocks noGrp="1"/>
+          </p:cNvSpPr>
+          <p:nvPr>
+            <p:ph type="body" idx="1"/>
+          </p:nvPr>
+        </p:nvSpPr>
+        <p:spPr>
+          <a:xfrm>
+            <a:off x="311700" y="1152475"/>
+            <a:ext cx="8520600" cy="3682800"/>
+          </a:xfrm>
+          <a:prstGeom prst="rect">
+            <a:avLst/>
+          </a:prstGeom>
+        </p:spPr>
+        <p:txBody>
+          <a:bodyPr spcFirstLastPara="1" wrap="square" lIns="91425" tIns="91425" rIns="91425" bIns="91425" anchor="t" anchorCtr="0">
+            <a:normAutofit/>
+          </a:bodyPr>
+          <a:lstStyle/>
+          <a:p>
+            <a:pPr marL="0" lvl="0" indent="0" algn="l" rtl="0">
+              <a:spcBef>
+                <a:spcPts val="0"/>
+              </a:spcBef>
+              <a:spcAft>
+                <a:spcPts val="1200"/>
+              </a:spcAft>
+              <a:buNone/>
+            </a:pPr>
+            <a:r>
+              <a:rPr lang="ru" dirty="0"/>
+              <a:t>Вам потрібно прийти лише на останню пару для гарантування відсутності помилок в </a:t>
+            </a:r>
+            <a:r>
+              <a:rPr lang="ru" dirty="0" smtClean="0"/>
+              <a:t>відомості.</a:t>
+            </a:r>
+          </a:p>
+          <a:p>
+            <a:pPr marL="0" lvl="0" indent="0" algn="l" rtl="0">
+              <a:spcBef>
+                <a:spcPts val="0"/>
+              </a:spcBef>
+              <a:spcAft>
+                <a:spcPts val="1200"/>
+              </a:spcAft>
+              <a:buNone/>
+            </a:pPr>
+            <a:r>
+              <a:rPr lang="ru" dirty="0" smtClean="0"/>
+              <a:t>Інші пари опціональні.</a:t>
+            </a:r>
+            <a:endParaRPr dirty="0"/>
+          </a:p>
+        </p:txBody>
+      </p:sp>
+    </p:spTree>
+  </p:cSld>
+  <p:clrMapOvr>
+    <a:masterClrMapping/>
+  </p:clrMapOvr>
+  <p:timing>
+    <p:tnLst>
+      <p:par>
+        <p:cTn id="1" dur="indefinite" restart="never" nodeType="tmRoot"/>
+      </p:par>
+    </p:tnLst>
+  </p:timing>
+</p:sld>
+</file>
+
+<file path=ppt/slides/slide11.xml><?xml version="1.0" encoding="utf-8"?>
 <p:sld xmlns:a="http://schemas.openxmlformats.org/drawingml/2006/main" xmlns:r="http://schemas.openxmlformats.org/officeDocument/2006/relationships" xmlns:p="http://schemas.openxmlformats.org/presentationml/2006/main">
   <p:cSld>
     <p:spTree>
@@ -7257,22 +7516,192 @@
               <a:buNone/>
             </a:pPr>
             <a:r>
-              <a:rPr lang="ru"/>
+              <a:rPr lang="ru" dirty="0"/>
               <a:t>Змагання Kaggle top 9% та вище </a:t>
             </a:r>
-            <a:endParaRPr/>
+            <a:endParaRPr dirty="0"/>
           </a:p>
         </p:txBody>
       </p:sp>
       <p:sp>
         <p:nvSpPr>
-          <p:cNvPr id="71" name="Google Shape;71;p14"/>
+          <p:cNvPr id="72" name="Google Shape;72;p14"/>
           <p:cNvSpPr/>
           <p:nvPr/>
         </p:nvSpPr>
         <p:spPr>
           <a:xfrm>
-            <a:off x="850950" y="1489075"/>
+            <a:off x="865650" y="1629440"/>
+            <a:ext cx="7754350" cy="322500"/>
+          </a:xfrm>
+          <a:prstGeom prst="rect">
+            <a:avLst/>
+          </a:prstGeom>
+          <a:solidFill>
+            <a:schemeClr val="accent4"/>
+          </a:solidFill>
+          <a:ln w="9525" cap="flat" cmpd="sng">
+            <a:solidFill>
+              <a:schemeClr val="dk2"/>
+            </a:solidFill>
+            <a:prstDash val="solid"/>
+            <a:round/>
+            <a:headEnd type="none" w="sm" len="sm"/>
+            <a:tailEnd type="none" w="sm" len="sm"/>
+          </a:ln>
+        </p:spPr>
+        <p:txBody>
+          <a:bodyPr spcFirstLastPara="1" wrap="square" lIns="91425" tIns="91425" rIns="91425" bIns="91425" anchor="ctr" anchorCtr="0">
+            <a:noAutofit/>
+          </a:bodyPr>
+          <a:lstStyle/>
+          <a:p>
+            <a:pPr marL="0" lvl="0" indent="0" algn="l" rtl="0">
+              <a:spcBef>
+                <a:spcPts val="0"/>
+              </a:spcBef>
+              <a:spcAft>
+                <a:spcPts val="0"/>
+              </a:spcAft>
+              <a:buNone/>
+            </a:pPr>
+            <a:r>
+              <a:rPr lang="ru" dirty="0"/>
+              <a:t>Виконання всіх практичних робіт вчасно в повному обсязі</a:t>
+            </a:r>
+            <a:endParaRPr dirty="0"/>
+          </a:p>
+        </p:txBody>
+      </p:sp>
+      <p:sp>
+        <p:nvSpPr>
+          <p:cNvPr id="73" name="Google Shape;73;p14"/>
+          <p:cNvSpPr/>
+          <p:nvPr/>
+        </p:nvSpPr>
+        <p:spPr>
+          <a:xfrm>
+            <a:off x="865650" y="2181025"/>
+            <a:ext cx="4530125" cy="390725"/>
+          </a:xfrm>
+          <a:prstGeom prst="rect">
+            <a:avLst/>
+          </a:prstGeom>
+          <a:solidFill>
+            <a:schemeClr val="accent4"/>
+          </a:solidFill>
+          <a:ln w="9525" cap="flat" cmpd="sng">
+            <a:solidFill>
+              <a:schemeClr val="dk2"/>
+            </a:solidFill>
+            <a:prstDash val="solid"/>
+            <a:round/>
+            <a:headEnd type="none" w="sm" len="sm"/>
+            <a:tailEnd type="none" w="sm" len="sm"/>
+          </a:ln>
+        </p:spPr>
+        <p:txBody>
+          <a:bodyPr spcFirstLastPara="1" wrap="square" lIns="91425" tIns="91425" rIns="91425" bIns="91425" anchor="ctr" anchorCtr="0">
+            <a:noAutofit/>
+          </a:bodyPr>
+          <a:lstStyle/>
+          <a:p>
+            <a:pPr marL="0" lvl="0" indent="0" algn="l" rtl="0">
+              <a:spcBef>
+                <a:spcPts val="0"/>
+              </a:spcBef>
+              <a:spcAft>
+                <a:spcPts val="0"/>
+              </a:spcAft>
+              <a:buNone/>
+            </a:pPr>
+            <a:r>
+              <a:rPr lang="ru" dirty="0"/>
+              <a:t>2</a:t>
+            </a:r>
+            <a:r>
+              <a:rPr lang="ru" dirty="0" smtClean="0"/>
+              <a:t> </a:t>
+            </a:r>
+            <a:r>
+              <a:rPr lang="ru" dirty="0"/>
+              <a:t>шт coursera сертифікати з датою отримання після </a:t>
+            </a:r>
+            <a:r>
+              <a:rPr lang="ru" dirty="0" smtClean="0"/>
+              <a:t>01</a:t>
+            </a:r>
+            <a:r>
+              <a:rPr lang="ru" dirty="0" smtClean="0"/>
+              <a:t>.09.2023 </a:t>
+            </a:r>
+            <a:r>
+              <a:rPr lang="ru" dirty="0"/>
+              <a:t>( програмування сміжна тематика)</a:t>
+            </a:r>
+            <a:endParaRPr dirty="0"/>
+          </a:p>
+        </p:txBody>
+      </p:sp>
+      <p:sp>
+        <p:nvSpPr>
+          <p:cNvPr id="75" name="Google Shape;75;p14"/>
+          <p:cNvSpPr/>
+          <p:nvPr/>
+        </p:nvSpPr>
+        <p:spPr>
+          <a:xfrm>
+            <a:off x="6688393" y="2181025"/>
+            <a:ext cx="1916905" cy="347875"/>
+          </a:xfrm>
+          <a:prstGeom prst="rect">
+            <a:avLst/>
+          </a:prstGeom>
+          <a:solidFill>
+            <a:schemeClr val="accent4"/>
+          </a:solidFill>
+          <a:ln w="9525" cap="flat" cmpd="sng">
+            <a:solidFill>
+              <a:schemeClr val="dk2"/>
+            </a:solidFill>
+            <a:prstDash val="solid"/>
+            <a:round/>
+            <a:headEnd type="none" w="sm" len="sm"/>
+            <a:tailEnd type="none" w="sm" len="sm"/>
+          </a:ln>
+        </p:spPr>
+        <p:txBody>
+          <a:bodyPr spcFirstLastPara="1" wrap="square" lIns="91425" tIns="91425" rIns="91425" bIns="91425" anchor="ctr" anchorCtr="0">
+            <a:noAutofit/>
+          </a:bodyPr>
+          <a:lstStyle/>
+          <a:p>
+            <a:pPr marL="0" lvl="0" indent="0" algn="l" rtl="0">
+              <a:spcBef>
+                <a:spcPts val="0"/>
+              </a:spcBef>
+              <a:spcAft>
+                <a:spcPts val="0"/>
+              </a:spcAft>
+              <a:buNone/>
+            </a:pPr>
+            <a:r>
+              <a:rPr lang="ru" sz="1200" dirty="0"/>
+              <a:t>+1 coursera сертифікат</a:t>
+            </a:r>
+            <a:endParaRPr sz="1200" dirty="0"/>
+          </a:p>
+        </p:txBody>
+      </p:sp>
+      <p:sp>
+        <p:nvSpPr>
+          <p:cNvPr id="78" name="Google Shape;78;p14"/>
+          <p:cNvSpPr/>
+          <p:nvPr/>
+        </p:nvSpPr>
+        <p:spPr>
+          <a:xfrm>
+            <a:off x="865650" y="2927946"/>
             <a:ext cx="7758300" cy="322500"/>
           </a:xfrm>
           <a:prstGeom prst="rect">
@@ -7307,27 +7736,23 @@
               <a:buNone/>
             </a:pPr>
             <a:r>
-              <a:rPr lang="ru" sz="1200" dirty="0"/>
-              <a:t>Реалізація проекту під на запропоновану тему в повному обсязі (3-5 чол). досвід </a:t>
-            </a:r>
-            <a:r>
-              <a:rPr lang="ru" sz="1200" dirty="0" smtClean="0"/>
-              <a:t>DS або програмування </a:t>
-            </a:r>
-            <a:endParaRPr sz="1200" dirty="0"/>
+              <a:rPr lang="ru" dirty="0"/>
+              <a:t>Я не згодний с балом. я хочу написати залік з кодом на листочку та тестами. </a:t>
+            </a:r>
+            <a:endParaRPr dirty="0"/>
           </a:p>
         </p:txBody>
       </p:sp>
       <p:sp>
         <p:nvSpPr>
-          <p:cNvPr id="72" name="Google Shape;72;p14"/>
+          <p:cNvPr id="18" name="Google Shape;75;p14"/>
           <p:cNvSpPr/>
           <p:nvPr/>
         </p:nvSpPr>
         <p:spPr>
           <a:xfrm>
-            <a:off x="850950" y="1960425"/>
-            <a:ext cx="7754350" cy="322500"/>
+            <a:off x="5476868" y="2181025"/>
+            <a:ext cx="1211525" cy="369301"/>
           </a:xfrm>
           <a:prstGeom prst="rect">
             <a:avLst/>
@@ -7361,176 +7786,10 @@
               <a:buNone/>
             </a:pPr>
             <a:r>
-              <a:rPr lang="ru" dirty="0"/>
-              <a:t>Виконання всіх практичних робіт вчасно в повному обсязі</a:t>
-            </a:r>
-            <a:endParaRPr dirty="0"/>
-          </a:p>
-        </p:txBody>
-      </p:sp>
-      <p:sp>
-        <p:nvSpPr>
-          <p:cNvPr id="73" name="Google Shape;73;p14"/>
-          <p:cNvSpPr/>
-          <p:nvPr/>
-        </p:nvSpPr>
-        <p:spPr>
-          <a:xfrm>
-            <a:off x="850950" y="2433325"/>
-            <a:ext cx="5736100" cy="390725"/>
-          </a:xfrm>
-          <a:prstGeom prst="rect">
-            <a:avLst/>
-          </a:prstGeom>
-          <a:solidFill>
-            <a:schemeClr val="accent4"/>
-          </a:solidFill>
-          <a:ln w="9525" cap="flat" cmpd="sng">
-            <a:solidFill>
-              <a:schemeClr val="dk2"/>
-            </a:solidFill>
-            <a:prstDash val="solid"/>
-            <a:round/>
-            <a:headEnd type="none" w="sm" len="sm"/>
-            <a:tailEnd type="none" w="sm" len="sm"/>
-          </a:ln>
-        </p:spPr>
-        <p:txBody>
-          <a:bodyPr spcFirstLastPara="1" wrap="square" lIns="91425" tIns="91425" rIns="91425" bIns="91425" anchor="ctr" anchorCtr="0">
-            <a:noAutofit/>
-          </a:bodyPr>
-          <a:lstStyle/>
-          <a:p>
-            <a:pPr marL="0" lvl="0" indent="0" algn="l" rtl="0">
-              <a:spcBef>
-                <a:spcPts val="0"/>
-              </a:spcBef>
-              <a:spcAft>
-                <a:spcPts val="0"/>
-              </a:spcAft>
-              <a:buNone/>
-            </a:pPr>
-            <a:r>
-              <a:rPr lang="ru" dirty="0"/>
-              <a:t>2</a:t>
-            </a:r>
-            <a:r>
-              <a:rPr lang="ru" dirty="0" smtClean="0"/>
-              <a:t> </a:t>
-            </a:r>
-            <a:r>
-              <a:rPr lang="ru" dirty="0"/>
-              <a:t>шт coursera сертифікати з датою отримання після </a:t>
-            </a:r>
-            <a:r>
-              <a:rPr lang="ru" dirty="0" smtClean="0"/>
-              <a:t>18.03.2023 </a:t>
-            </a:r>
-            <a:r>
-              <a:rPr lang="ru" dirty="0"/>
-              <a:t>( програмування сміжна тематика)</a:t>
-            </a:r>
-            <a:endParaRPr dirty="0"/>
-          </a:p>
-        </p:txBody>
-      </p:sp>
-      <p:sp>
-        <p:nvSpPr>
-          <p:cNvPr id="75" name="Google Shape;75;p14"/>
-          <p:cNvSpPr/>
-          <p:nvPr/>
-        </p:nvSpPr>
-        <p:spPr>
-          <a:xfrm>
-            <a:off x="6688394" y="2448175"/>
-            <a:ext cx="1916905" cy="347875"/>
-          </a:xfrm>
-          <a:prstGeom prst="rect">
-            <a:avLst/>
-          </a:prstGeom>
-          <a:solidFill>
-            <a:schemeClr val="accent4"/>
-          </a:solidFill>
-          <a:ln w="9525" cap="flat" cmpd="sng">
-            <a:solidFill>
-              <a:schemeClr val="dk2"/>
-            </a:solidFill>
-            <a:prstDash val="solid"/>
-            <a:round/>
-            <a:headEnd type="none" w="sm" len="sm"/>
-            <a:tailEnd type="none" w="sm" len="sm"/>
-          </a:ln>
-        </p:spPr>
-        <p:txBody>
-          <a:bodyPr spcFirstLastPara="1" wrap="square" lIns="91425" tIns="91425" rIns="91425" bIns="91425" anchor="ctr" anchorCtr="0">
-            <a:noAutofit/>
-          </a:bodyPr>
-          <a:lstStyle/>
-          <a:p>
-            <a:pPr marL="0" lvl="0" indent="0" algn="l" rtl="0">
-              <a:spcBef>
-                <a:spcPts val="0"/>
-              </a:spcBef>
-              <a:spcAft>
-                <a:spcPts val="0"/>
-              </a:spcAft>
-              <a:buNone/>
-            </a:pPr>
-            <a:r>
               <a:rPr lang="ru" sz="1200" dirty="0"/>
               <a:t>+1 coursera сертифікат</a:t>
             </a:r>
             <a:endParaRPr sz="1200" dirty="0"/>
-          </a:p>
-        </p:txBody>
-      </p:sp>
-      <p:sp>
-        <p:nvSpPr>
-          <p:cNvPr id="78" name="Google Shape;78;p14"/>
-          <p:cNvSpPr/>
-          <p:nvPr/>
-        </p:nvSpPr>
-        <p:spPr>
-          <a:xfrm>
-            <a:off x="861700" y="3137424"/>
-            <a:ext cx="7758300" cy="322500"/>
-          </a:xfrm>
-          <a:prstGeom prst="rect">
-            <a:avLst/>
-          </a:prstGeom>
-          <a:solidFill>
-            <a:schemeClr val="accent4"/>
-          </a:solidFill>
-          <a:ln w="9525" cap="flat" cmpd="sng">
-            <a:solidFill>
-              <a:schemeClr val="dk2"/>
-            </a:solidFill>
-            <a:prstDash val="solid"/>
-            <a:round/>
-            <a:headEnd type="none" w="sm" len="sm"/>
-            <a:tailEnd type="none" w="sm" len="sm"/>
-          </a:ln>
-        </p:spPr>
-        <p:txBody>
-          <a:bodyPr spcFirstLastPara="1" wrap="square" lIns="91425" tIns="91425" rIns="91425" bIns="91425" anchor="ctr" anchorCtr="0">
-            <a:noAutofit/>
-          </a:bodyPr>
-          <a:lstStyle/>
-          <a:p>
-            <a:pPr marL="0" lvl="0" indent="0" algn="l" rtl="0">
-              <a:spcBef>
-                <a:spcPts val="0"/>
-              </a:spcBef>
-              <a:spcAft>
-                <a:spcPts val="0"/>
-              </a:spcAft>
-              <a:buNone/>
-            </a:pPr>
-            <a:r>
-              <a:rPr lang="ru"/>
-              <a:t>Я не згодний с балом. я хочу написати залік з кодом на листочку та тестами. </a:t>
-            </a:r>
-            <a:endParaRPr/>
           </a:p>
         </p:txBody>
       </p:sp>
@@ -7919,10 +8178,10 @@
               <a:buNone/>
             </a:pPr>
             <a:r>
-              <a:rPr lang="ru"/>
+              <a:rPr lang="ru" dirty="0"/>
               <a:t>Для тих хто обрав шлях практичних завдань є можливість здавати боту. (наразі не активний, на модернізації). </a:t>
             </a:r>
-            <a:endParaRPr/>
+            <a:endParaRPr dirty="0"/>
           </a:p>
           <a:p>
             <a:pPr marL="0" lvl="0" indent="0" algn="l" rtl="0">
@@ -7935,10 +8194,10 @@
               <a:buNone/>
             </a:pPr>
             <a:r>
-              <a:rPr lang="ru"/>
+              <a:rPr lang="ru" dirty="0"/>
               <a:t>Робота перевіряється на плагіат і на перші 10 посилань в гуглі. Методика перевірки на плагіат не розголошується.</a:t>
             </a:r>
-            <a:endParaRPr/>
+            <a:endParaRPr dirty="0"/>
           </a:p>
           <a:p>
             <a:pPr marL="0" lvl="0" indent="0" algn="l" rtl="0">
@@ -7951,10 +8210,10 @@
               <a:buNone/>
             </a:pPr>
             <a:r>
-              <a:rPr lang="ru"/>
+              <a:rPr lang="ru" dirty="0"/>
               <a:t>Робота здана після дедлайну - 0 балів. Плагіат 0 балів. В інших випадках все залежить від юніт тестів.</a:t>
             </a:r>
-            <a:endParaRPr/>
+            <a:endParaRPr dirty="0"/>
           </a:p>
           <a:p>
             <a:pPr marL="0" lvl="0" indent="0" algn="l" rtl="0">
@@ -7967,10 +8226,10 @@
               <a:buNone/>
             </a:pPr>
             <a:r>
-              <a:rPr lang="ru"/>
+              <a:rPr lang="ru" dirty="0"/>
               <a:t>Перегляд оцінки відбувається лише на роботи дедлайн яких не вийшов.</a:t>
             </a:r>
-            <a:endParaRPr/>
+            <a:endParaRPr dirty="0"/>
           </a:p>
           <a:p>
             <a:pPr marL="0" lvl="0" indent="0" algn="l" rtl="0">
@@ -7983,10 +8242,22 @@
               <a:buNone/>
             </a:pPr>
             <a:r>
-              <a:rPr lang="ru"/>
-              <a:t>Складність завдань 20хв - 2 год. Всього 10 завдань.</a:t>
-            </a:r>
-            <a:endParaRPr/>
+              <a:rPr lang="ru" dirty="0"/>
+              <a:t>Складність завдань 20хв - 2 год. Всього </a:t>
+            </a:r>
+            <a:r>
+              <a:rPr lang="ru" dirty="0"/>
+              <a:t>6</a:t>
+            </a:r>
+            <a:r>
+              <a:rPr lang="ru" dirty="0" smtClean="0"/>
+              <a:t> </a:t>
+            </a:r>
+            <a:r>
+              <a:rPr lang="ru" dirty="0"/>
+              <a:t>завдань.</a:t>
+            </a:r>
+            <a:endParaRPr dirty="0"/>
           </a:p>
         </p:txBody>
       </p:sp>
@@ -8062,11 +8333,7 @@
             </a:r>
             <a:r>
               <a:rPr lang="ru" dirty="0" smtClean="0"/>
-              <a:t>додаткові </a:t>
-            </a:r>
-            <a:r>
-              <a:rPr lang="ru" dirty="0" smtClean="0"/>
-              <a:t>10 </a:t>
+              <a:t>додаткові 10 </a:t>
             </a:r>
             <a:r>
               <a:rPr lang="ru" dirty="0"/>
@@ -8263,8 +8530,12 @@
               <a:t>+ </a:t>
             </a:r>
             <a:r>
+              <a:rPr lang="ru" dirty="0"/>
+              <a:t>3</a:t>
+            </a:r>
+            <a:r>
               <a:rPr lang="ru" dirty="0" smtClean="0"/>
-              <a:t>2 </a:t>
+              <a:t> </a:t>
             </a:r>
             <a:r>
               <a:rPr lang="ru" dirty="0"/>
@@ -8288,7 +8559,15 @@
             </a:r>
             <a:r>
               <a:rPr lang="ru" dirty="0"/>
-              <a:t>3 сертифікати дає </a:t>
+              <a:t>4</a:t>
+            </a:r>
+            <a:r>
+              <a:rPr lang="ru" dirty="0" smtClean="0"/>
+              <a:t> </a:t>
+            </a:r>
+            <a:r>
+              <a:rPr lang="ru" dirty="0"/>
+              <a:t>сертифікати дає </a:t>
             </a:r>
             <a:r>
               <a:rPr lang="ru" dirty="0" smtClean="0"/>
@@ -8354,7 +8633,15 @@
             </a:pPr>
             <a:r>
               <a:rPr lang="ru" dirty="0"/>
-              <a:t>2 сертифікати дає </a:t>
+              <a:t>3</a:t>
+            </a:r>
+            <a:r>
+              <a:rPr lang="ru" dirty="0" smtClean="0"/>
+              <a:t> </a:t>
+            </a:r>
+            <a:r>
+              <a:rPr lang="ru" dirty="0"/>
+              <a:t>сертифікати дає </a:t>
             </a:r>
             <a:r>
               <a:rPr lang="ru" dirty="0" smtClean="0"/>
@@ -8424,7 +8711,15 @@
             </a:pPr>
             <a:r>
               <a:rPr lang="ru" dirty="0"/>
-              <a:t>+ 1 сертифікат дає </a:t>
+              <a:t>+ </a:t>
+            </a:r>
+            <a:r>
+              <a:rPr lang="ru" dirty="0" smtClean="0"/>
+              <a:t>2 </a:t>
+            </a:r>
+            <a:r>
+              <a:rPr lang="ru" dirty="0"/>
+              <a:t>сертифікат дає </a:t>
             </a:r>
             <a:r>
               <a:rPr lang="ru" dirty="0" smtClean="0"/>
@@ -8448,7 +8743,15 @@
             </a:pPr>
             <a:r>
               <a:rPr lang="ru" dirty="0"/>
-              <a:t>+ 2 сертифікати дає </a:t>
+              <a:t>+ </a:t>
+            </a:r>
+            <a:r>
+              <a:rPr lang="ru" dirty="0" smtClean="0"/>
+              <a:t>3 </a:t>
+            </a:r>
+            <a:r>
+              <a:rPr lang="ru" dirty="0"/>
+              <a:t>сертифікати дає </a:t>
             </a:r>
             <a:r>
               <a:rPr lang="ru" dirty="0" smtClean="0"/>
@@ -8472,7 +8775,15 @@
             </a:pPr>
             <a:r>
               <a:rPr lang="ru" dirty="0"/>
-              <a:t>+ 3 сертифікати дає </a:t>
+              <a:t>+ </a:t>
+            </a:r>
+            <a:r>
+              <a:rPr lang="ru" dirty="0" smtClean="0"/>
+              <a:t>4 </a:t>
+            </a:r>
+            <a:r>
+              <a:rPr lang="ru" dirty="0"/>
+              <a:t>сертифікати дає </a:t>
             </a:r>
             <a:r>
               <a:rPr lang="ru" dirty="0" smtClean="0"/>
@@ -8502,6 +8813,244 @@
 </file>
 
 <file path=ppt/slides/slide8.xml><?xml version="1.0" encoding="utf-8"?>
+<p:sld xmlns:a="http://schemas.openxmlformats.org/drawingml/2006/main" xmlns:r="http://schemas.openxmlformats.org/officeDocument/2006/relationships" xmlns:p="http://schemas.openxmlformats.org/presentationml/2006/main">
+  <p:cSld>
+    <p:spTree>
+      <p:nvGrpSpPr>
+        <p:cNvPr id="1" name="Shape 107"/>
+        <p:cNvGrpSpPr/>
+        <p:nvPr/>
+      </p:nvGrpSpPr>
+      <p:grpSpPr>
+        <a:xfrm>
+          <a:off x="0" y="0"/>
+          <a:ext cx="0" cy="0"/>
+          <a:chOff x="0" y="0"/>
+          <a:chExt cx="0" cy="0"/>
+        </a:xfrm>
+      </p:grpSpPr>
+      <p:sp>
+        <p:nvSpPr>
+          <p:cNvPr id="108" name="Google Shape;108;p19"/>
+          <p:cNvSpPr txBox="1">
+            <a:spLocks noGrp="1"/>
+          </p:cNvSpPr>
+          <p:nvPr>
+            <p:ph type="title"/>
+          </p:nvPr>
+        </p:nvSpPr>
+        <p:spPr>
+          <a:xfrm>
+            <a:off x="311700" y="445025"/>
+            <a:ext cx="8520600" cy="572700"/>
+          </a:xfrm>
+          <a:prstGeom prst="rect">
+            <a:avLst/>
+          </a:prstGeom>
+        </p:spPr>
+        <p:txBody>
+          <a:bodyPr spcFirstLastPara="1" wrap="square" lIns="91425" tIns="91425" rIns="91425" bIns="91425" anchor="t" anchorCtr="0">
+            <a:normAutofit fontScale="90000"/>
+          </a:bodyPr>
+          <a:lstStyle/>
+          <a:p>
+            <a:pPr marL="0" lvl="0" indent="0" algn="l" rtl="0">
+              <a:spcBef>
+                <a:spcPts val="0"/>
+              </a:spcBef>
+              <a:spcAft>
+                <a:spcPts val="0"/>
+              </a:spcAft>
+              <a:buNone/>
+            </a:pPr>
+            <a:r>
+              <a:rPr lang="ru" dirty="0" smtClean="0"/>
+              <a:t>Коли дедлайн?</a:t>
+            </a:r>
+            <a:endParaRPr dirty="0"/>
+          </a:p>
+        </p:txBody>
+      </p:sp>
+      <p:sp>
+        <p:nvSpPr>
+          <p:cNvPr id="109" name="Google Shape;109;p19"/>
+          <p:cNvSpPr txBox="1">
+            <a:spLocks noGrp="1"/>
+          </p:cNvSpPr>
+          <p:nvPr>
+            <p:ph type="body" idx="1"/>
+          </p:nvPr>
+        </p:nvSpPr>
+        <p:spPr>
+          <a:xfrm>
+            <a:off x="311699" y="1152475"/>
+            <a:ext cx="8323481" cy="3682800"/>
+          </a:xfrm>
+          <a:prstGeom prst="rect">
+            <a:avLst/>
+          </a:prstGeom>
+        </p:spPr>
+        <p:txBody>
+          <a:bodyPr spcFirstLastPara="1" wrap="square" lIns="91425" tIns="91425" rIns="91425" bIns="91425" anchor="t" anchorCtr="0">
+            <a:normAutofit/>
+          </a:bodyPr>
+          <a:lstStyle/>
+          <a:p>
+            <a:pPr marL="0" lvl="0" indent="0" algn="l" rtl="0">
+              <a:spcBef>
+                <a:spcPts val="0"/>
+              </a:spcBef>
+              <a:spcAft>
+                <a:spcPts val="0"/>
+              </a:spcAft>
+              <a:buNone/>
+            </a:pPr>
+            <a:r>
+              <a:rPr lang="ru-RU" dirty="0" err="1" smtClean="0"/>
+              <a:t>Дедлайн</a:t>
+            </a:r>
+            <a:r>
+              <a:rPr lang="ru-RU" dirty="0" smtClean="0"/>
+              <a:t> для </a:t>
+            </a:r>
+            <a:r>
+              <a:rPr lang="ru-RU" dirty="0" err="1" smtClean="0"/>
+              <a:t>лабораторн</a:t>
+            </a:r>
+            <a:r>
+              <a:rPr lang="uk-UA" dirty="0" err="1" smtClean="0"/>
+              <a:t>их</a:t>
+            </a:r>
+            <a:r>
+              <a:rPr lang="uk-UA" dirty="0" smtClean="0"/>
+              <a:t> робіт означає що робота повинна бути здана ДО </a:t>
+            </a:r>
+            <a:r>
+              <a:rPr lang="uk-UA" dirty="0" err="1" smtClean="0"/>
+              <a:t>дедлайну</a:t>
+            </a:r>
+            <a:r>
+              <a:rPr lang="uk-UA" dirty="0" smtClean="0"/>
+              <a:t>. Він настає о 00:00 годин.</a:t>
+            </a:r>
+          </a:p>
+          <a:p>
+            <a:pPr marL="0" lvl="0" indent="0" algn="l" rtl="0">
+              <a:spcBef>
+                <a:spcPts val="0"/>
+              </a:spcBef>
+              <a:spcAft>
+                <a:spcPts val="0"/>
+              </a:spcAft>
+              <a:buNone/>
+            </a:pPr>
+            <a:endParaRPr lang="uk-UA" dirty="0" smtClean="0"/>
+          </a:p>
+          <a:p>
+            <a:pPr marL="0" lvl="0" indent="0" algn="l" rtl="0">
+              <a:spcBef>
+                <a:spcPts val="0"/>
+              </a:spcBef>
+              <a:spcAft>
+                <a:spcPts val="0"/>
+              </a:spcAft>
+              <a:buNone/>
+            </a:pPr>
+            <a:r>
+              <a:rPr lang="uk-UA" dirty="0" err="1" smtClean="0"/>
+              <a:t>Дедлайн</a:t>
+            </a:r>
+            <a:r>
+              <a:rPr lang="uk-UA" dirty="0" smtClean="0"/>
+              <a:t> усіх робіт – 07.01.2024. Усі роботи здані після </a:t>
+            </a:r>
+            <a:r>
+              <a:rPr lang="uk-UA" dirty="0" err="1" smtClean="0"/>
+              <a:t>дедлайну</a:t>
+            </a:r>
+            <a:r>
+              <a:rPr lang="uk-UA" dirty="0" smtClean="0"/>
+              <a:t> не зараховуються і вважаються порушенням регламенту і навчального плану.</a:t>
+            </a:r>
+          </a:p>
+          <a:p>
+            <a:pPr marL="0" lvl="0" indent="0" algn="l" rtl="0">
+              <a:spcBef>
+                <a:spcPts val="0"/>
+              </a:spcBef>
+              <a:spcAft>
+                <a:spcPts val="0"/>
+              </a:spcAft>
+              <a:buNone/>
+            </a:pPr>
+            <a:endParaRPr lang="uk-UA" dirty="0"/>
+          </a:p>
+          <a:p>
+            <a:pPr marL="0" lvl="0" indent="0" algn="l" rtl="0">
+              <a:spcBef>
+                <a:spcPts val="0"/>
+              </a:spcBef>
+              <a:spcAft>
+                <a:spcPts val="0"/>
+              </a:spcAft>
+              <a:buNone/>
+            </a:pPr>
+            <a:r>
+              <a:rPr lang="uk-UA" dirty="0" smtClean="0"/>
+              <a:t>Якщо в вас є </a:t>
+            </a:r>
+            <a:r>
+              <a:rPr lang="uk-UA" dirty="0" err="1" smtClean="0"/>
+              <a:t>певрні</a:t>
+            </a:r>
+            <a:r>
+              <a:rPr lang="uk-UA" dirty="0" smtClean="0"/>
+              <a:t> обставини що заважають виконати роботи вчасно – про них потрібно повідомити відразу при виникненні. Пост </a:t>
+            </a:r>
+            <a:r>
+              <a:rPr lang="uk-UA" dirty="0" err="1" smtClean="0"/>
+              <a:t>фактум</a:t>
+            </a:r>
+            <a:r>
+              <a:rPr lang="uk-UA" dirty="0" smtClean="0"/>
+              <a:t> будь-які обставини не вважаються достатніми для урахування.</a:t>
+            </a:r>
+          </a:p>
+          <a:p>
+            <a:pPr marL="0" lvl="0" indent="0" algn="l" rtl="0">
+              <a:spcBef>
+                <a:spcPts val="0"/>
+              </a:spcBef>
+              <a:spcAft>
+                <a:spcPts val="0"/>
+              </a:spcAft>
+              <a:buNone/>
+            </a:pPr>
+            <a:endParaRPr dirty="0"/>
+          </a:p>
+        </p:txBody>
+      </p:sp>
+    </p:spTree>
+    <p:extLst>
+      <p:ext uri="{BB962C8B-B14F-4D97-AF65-F5344CB8AC3E}">
+        <p14:creationId xmlns:p14="http://schemas.microsoft.com/office/powerpoint/2010/main" val="347915932"/>
+      </p:ext>
+    </p:extLst>
+  </p:cSld>
+  <p:clrMapOvr>
+    <a:masterClrMapping/>
+  </p:clrMapOvr>
+  <p:timing>
+    <p:tnLst>
+      <p:par>
+        <p:cTn id="1" dur="indefinite" restart="never" nodeType="tmRoot"/>
+      </p:par>
+    </p:tnLst>
+  </p:timing>
+</p:sld>
+</file>
+
+<file path=ppt/slides/slide9.xml><?xml version="1.0" encoding="utf-8"?>
 <p:sld xmlns:a="http://schemas.openxmlformats.org/drawingml/2006/main" xmlns:r="http://schemas.openxmlformats.org/officeDocument/2006/relationships" xmlns:p="http://schemas.openxmlformats.org/presentationml/2006/main">
   <p:cSld>
     <p:spTree>
@@ -8595,143 +9144,8 @@
               <a:buNone/>
             </a:pPr>
             <a:r>
-              <a:rPr lang="ru"/>
+              <a:rPr lang="ru" dirty="0"/>
               <a:t>Матеріал по практичним роботам + тести на відповідну тематику (аля програмування на 1 кукрсі з заморочками з дс)</a:t>
-            </a:r>
-            <a:endParaRPr/>
-          </a:p>
-        </p:txBody>
-      </p:sp>
-    </p:spTree>
-  </p:cSld>
-  <p:clrMapOvr>
-    <a:masterClrMapping/>
-  </p:clrMapOvr>
-  <p:timing>
-    <p:tnLst>
-      <p:par>
-        <p:cTn id="1" dur="indefinite" restart="never" nodeType="tmRoot"/>
-      </p:par>
-    </p:tnLst>
-  </p:timing>
-</p:sld>
-</file>
-
-<file path=ppt/slides/slide9.xml><?xml version="1.0" encoding="utf-8"?>
-<p:sld xmlns:a="http://schemas.openxmlformats.org/drawingml/2006/main" xmlns:r="http://schemas.openxmlformats.org/officeDocument/2006/relationships" xmlns:p="http://schemas.openxmlformats.org/presentationml/2006/main">
-  <p:cSld>
-    <p:spTree>
-      <p:nvGrpSpPr>
-        <p:cNvPr id="1" name="Shape 120"/>
-        <p:cNvGrpSpPr/>
-        <p:nvPr/>
-      </p:nvGrpSpPr>
-      <p:grpSpPr>
-        <a:xfrm>
-          <a:off x="0" y="0"/>
-          <a:ext cx="0" cy="0"/>
-          <a:chOff x="0" y="0"/>
-          <a:chExt cx="0" cy="0"/>
-        </a:xfrm>
-      </p:grpSpPr>
-      <p:sp>
-        <p:nvSpPr>
-          <p:cNvPr id="121" name="Google Shape;121;p21"/>
-          <p:cNvSpPr txBox="1">
-            <a:spLocks noGrp="1"/>
-          </p:cNvSpPr>
-          <p:nvPr>
-            <p:ph type="title"/>
-          </p:nvPr>
-        </p:nvSpPr>
-        <p:spPr>
-          <a:xfrm>
-            <a:off x="311700" y="445025"/>
-            <a:ext cx="8520600" cy="572700"/>
-          </a:xfrm>
-          <a:prstGeom prst="rect">
-            <a:avLst/>
-          </a:prstGeom>
-        </p:spPr>
-        <p:txBody>
-          <a:bodyPr spcFirstLastPara="1" wrap="square" lIns="91425" tIns="91425" rIns="91425" bIns="91425" anchor="t" anchorCtr="0">
-            <a:normAutofit fontScale="90000"/>
-          </a:bodyPr>
-          <a:lstStyle/>
-          <a:p>
-            <a:pPr marL="0" lvl="0" indent="0" algn="l" rtl="0">
-              <a:spcBef>
-                <a:spcPts val="0"/>
-              </a:spcBef>
-              <a:spcAft>
-                <a:spcPts val="0"/>
-              </a:spcAft>
-              <a:buNone/>
-            </a:pPr>
-            <a:r>
-              <a:rPr lang="ru"/>
-              <a:t>Чи можна не ходити на пари ?</a:t>
-            </a:r>
-            <a:endParaRPr/>
-          </a:p>
-        </p:txBody>
-      </p:sp>
-      <p:sp>
-        <p:nvSpPr>
-          <p:cNvPr id="122" name="Google Shape;122;p21"/>
-          <p:cNvSpPr txBox="1">
-            <a:spLocks noGrp="1"/>
-          </p:cNvSpPr>
-          <p:nvPr>
-            <p:ph type="body" idx="1"/>
-          </p:nvPr>
-        </p:nvSpPr>
-        <p:spPr>
-          <a:xfrm>
-            <a:off x="311700" y="1152475"/>
-            <a:ext cx="8520600" cy="3682800"/>
-          </a:xfrm>
-          <a:prstGeom prst="rect">
-            <a:avLst/>
-          </a:prstGeom>
-        </p:spPr>
-        <p:txBody>
-          <a:bodyPr spcFirstLastPara="1" wrap="square" lIns="91425" tIns="91425" rIns="91425" bIns="91425" anchor="t" anchorCtr="0">
-            <a:normAutofit/>
-          </a:bodyPr>
-          <a:lstStyle/>
-          <a:p>
-            <a:pPr marL="0" lvl="0" indent="0" algn="l" rtl="0">
-              <a:spcBef>
-                <a:spcPts val="0"/>
-              </a:spcBef>
-              <a:spcAft>
-                <a:spcPts val="1200"/>
-              </a:spcAft>
-              <a:buNone/>
-            </a:pPr>
-            <a:r>
-              <a:rPr lang="ru" dirty="0"/>
-              <a:t>Вам потрібно прийти лише на останню пару для гарантування відсутності помилок в </a:t>
-            </a:r>
-            <a:r>
-              <a:rPr lang="ru" dirty="0" smtClean="0"/>
-              <a:t>відомості.</a:t>
-            </a:r>
-          </a:p>
-          <a:p>
-            <a:pPr marL="0" lvl="0" indent="0" algn="l" rtl="0">
-              <a:spcBef>
-                <a:spcPts val="0"/>
-              </a:spcBef>
-              <a:spcAft>
-                <a:spcPts val="1200"/>
-              </a:spcAft>
-              <a:buNone/>
-            </a:pPr>
-            <a:r>
-              <a:rPr lang="ru" dirty="0" smtClean="0"/>
-              <a:t>Інші пари опціональні.</a:t>
             </a:r>
             <a:endParaRPr dirty="0"/>
           </a:p>
